--- a/COMP250/01/induction.pptx
+++ b/COMP250/01/induction.pptx
@@ -265,7 +265,7 @@
           <a:p>
             <a:fld id="{79E534F8-EC88-491C-A843-F59F0165195D}" type="datetimeFigureOut">
               <a:rPr lang="en-GB" smtClean="0"/>
-              <a:t>18/01/2021</a:t>
+              <a:t>19/01/2021</a:t>
             </a:fld>
             <a:endParaRPr lang="en-GB"/>
           </a:p>
@@ -465,7 +465,7 @@
           <a:p>
             <a:fld id="{79E534F8-EC88-491C-A843-F59F0165195D}" type="datetimeFigureOut">
               <a:rPr lang="en-GB" smtClean="0"/>
-              <a:t>18/01/2021</a:t>
+              <a:t>19/01/2021</a:t>
             </a:fld>
             <a:endParaRPr lang="en-GB"/>
           </a:p>
@@ -675,7 +675,7 @@
           <a:p>
             <a:fld id="{79E534F8-EC88-491C-A843-F59F0165195D}" type="datetimeFigureOut">
               <a:rPr lang="en-GB" smtClean="0"/>
-              <a:t>18/01/2021</a:t>
+              <a:t>19/01/2021</a:t>
             </a:fld>
             <a:endParaRPr lang="en-GB"/>
           </a:p>
@@ -875,7 +875,7 @@
           <a:p>
             <a:fld id="{79E534F8-EC88-491C-A843-F59F0165195D}" type="datetimeFigureOut">
               <a:rPr lang="en-GB" smtClean="0"/>
-              <a:t>18/01/2021</a:t>
+              <a:t>19/01/2021</a:t>
             </a:fld>
             <a:endParaRPr lang="en-GB"/>
           </a:p>
@@ -1151,7 +1151,7 @@
           <a:p>
             <a:fld id="{79E534F8-EC88-491C-A843-F59F0165195D}" type="datetimeFigureOut">
               <a:rPr lang="en-GB" smtClean="0"/>
-              <a:t>18/01/2021</a:t>
+              <a:t>19/01/2021</a:t>
             </a:fld>
             <a:endParaRPr lang="en-GB"/>
           </a:p>
@@ -1419,7 +1419,7 @@
           <a:p>
             <a:fld id="{79E534F8-EC88-491C-A843-F59F0165195D}" type="datetimeFigureOut">
               <a:rPr lang="en-GB" smtClean="0"/>
-              <a:t>18/01/2021</a:t>
+              <a:t>19/01/2021</a:t>
             </a:fld>
             <a:endParaRPr lang="en-GB"/>
           </a:p>
@@ -1834,7 +1834,7 @@
           <a:p>
             <a:fld id="{79E534F8-EC88-491C-A843-F59F0165195D}" type="datetimeFigureOut">
               <a:rPr lang="en-GB" smtClean="0"/>
-              <a:t>18/01/2021</a:t>
+              <a:t>19/01/2021</a:t>
             </a:fld>
             <a:endParaRPr lang="en-GB"/>
           </a:p>
@@ -1976,7 +1976,7 @@
           <a:p>
             <a:fld id="{79E534F8-EC88-491C-A843-F59F0165195D}" type="datetimeFigureOut">
               <a:rPr lang="en-GB" smtClean="0"/>
-              <a:t>18/01/2021</a:t>
+              <a:t>19/01/2021</a:t>
             </a:fld>
             <a:endParaRPr lang="en-GB"/>
           </a:p>
@@ -2089,7 +2089,7 @@
           <a:p>
             <a:fld id="{79E534F8-EC88-491C-A843-F59F0165195D}" type="datetimeFigureOut">
               <a:rPr lang="en-GB" smtClean="0"/>
-              <a:t>18/01/2021</a:t>
+              <a:t>19/01/2021</a:t>
             </a:fld>
             <a:endParaRPr lang="en-GB"/>
           </a:p>
@@ -2402,7 +2402,7 @@
           <a:p>
             <a:fld id="{79E534F8-EC88-491C-A843-F59F0165195D}" type="datetimeFigureOut">
               <a:rPr lang="en-GB" smtClean="0"/>
-              <a:t>18/01/2021</a:t>
+              <a:t>19/01/2021</a:t>
             </a:fld>
             <a:endParaRPr lang="en-GB"/>
           </a:p>
@@ -2691,7 +2691,7 @@
           <a:p>
             <a:fld id="{79E534F8-EC88-491C-A843-F59F0165195D}" type="datetimeFigureOut">
               <a:rPr lang="en-GB" smtClean="0"/>
-              <a:t>18/01/2021</a:t>
+              <a:t>19/01/2021</a:t>
             </a:fld>
             <a:endParaRPr lang="en-GB"/>
           </a:p>
@@ -2934,7 +2934,7 @@
           <a:p>
             <a:fld id="{79E534F8-EC88-491C-A843-F59F0165195D}" type="datetimeFigureOut">
               <a:rPr lang="en-GB" smtClean="0"/>
-              <a:t>18/01/2021</a:t>
+              <a:t>19/01/2021</a:t>
             </a:fld>
             <a:endParaRPr lang="en-GB"/>
           </a:p>
@@ -4871,6 +4871,54 @@
                 </a:solidFill>
               </a:rPr>
               <a:t> for summative assessment deadlines!</a:t>
+            </a:r>
+          </a:p>
+        </p:txBody>
+      </p:sp>
+      <p:sp>
+        <p:nvSpPr>
+          <p:cNvPr id="21" name="TextBox 20">
+            <a:extLst>
+              <a:ext uri="{FF2B5EF4-FFF2-40B4-BE49-F238E27FC236}">
+                <a16:creationId xmlns:a16="http://schemas.microsoft.com/office/drawing/2014/main" id="{522E771C-304E-49B2-B62E-F3125AD064B6}"/>
+              </a:ext>
+            </a:extLst>
+          </p:cNvPr>
+          <p:cNvSpPr txBox="1"/>
+          <p:nvPr/>
+        </p:nvSpPr>
+        <p:spPr>
+          <a:xfrm>
+            <a:off x="2744811" y="5014810"/>
+            <a:ext cx="6645823" cy="338554"/>
+          </a:xfrm>
+          <a:prstGeom prst="rect">
+            <a:avLst/>
+          </a:prstGeom>
+        </p:spPr>
+        <p:style>
+          <a:lnRef idx="1">
+            <a:schemeClr val="accent3"/>
+          </a:lnRef>
+          <a:fillRef idx="3">
+            <a:schemeClr val="accent3"/>
+          </a:fillRef>
+          <a:effectRef idx="2">
+            <a:schemeClr val="accent3"/>
+          </a:effectRef>
+          <a:fontRef idx="minor">
+            <a:schemeClr val="lt1"/>
+          </a:fontRef>
+        </p:style>
+        <p:txBody>
+          <a:bodyPr wrap="square" rtlCol="0">
+            <a:spAutoFit/>
+          </a:bodyPr>
+          <a:lstStyle/>
+          <a:p>
+            <a:r>
+              <a:rPr lang="en-GB" sz="1600" dirty="0"/>
+              <a:t>Assessment / GAM240 / Portfolio Development</a:t>
             </a:r>
           </a:p>
         </p:txBody>
@@ -5369,7 +5417,7 @@
                                           </p:stCondLst>
                                         </p:cTn>
                                         <p:tgtEl>
-                                          <p:spTgt spid="3"/>
+                                          <p:spTgt spid="21"/>
                                         </p:tgtEl>
                                         <p:attrNameLst>
                                           <p:attrName>style.visibility</p:attrName>
@@ -5385,21 +5433,57 @@
                             </p:childTnLst>
                           </p:cTn>
                         </p:par>
+                      </p:childTnLst>
+                    </p:cTn>
+                  </p:par>
+                  <p:par>
+                    <p:cTn id="47" fill="hold">
+                      <p:stCondLst>
+                        <p:cond delay="indefinite"/>
+                      </p:stCondLst>
+                      <p:childTnLst>
                         <p:par>
-                          <p:cTn id="47" fill="hold">
+                          <p:cTn id="48" fill="hold">
                             <p:stCondLst>
                               <p:cond delay="0"/>
                             </p:stCondLst>
                             <p:childTnLst>
                               <p:par>
-                                <p:cTn id="48" presetID="1" presetClass="entr" presetSubtype="0" fill="hold" grpId="0" nodeType="afterEffect">
+                                <p:cTn id="49" presetID="1" presetClass="entr" presetSubtype="0" fill="hold" grpId="0" nodeType="clickEffect">
                                   <p:stCondLst>
                                     <p:cond delay="0"/>
                                   </p:stCondLst>
                                   <p:childTnLst>
                                     <p:set>
                                       <p:cBhvr>
-                                        <p:cTn id="49" dur="1" fill="hold">
+                                        <p:cTn id="50" dur="1" fill="hold">
+                                          <p:stCondLst>
+                                            <p:cond delay="0"/>
+                                          </p:stCondLst>
+                                        </p:cTn>
+                                        <p:tgtEl>
+                                          <p:spTgt spid="3"/>
+                                        </p:tgtEl>
+                                        <p:attrNameLst>
+                                          <p:attrName>style.visibility</p:attrName>
+                                        </p:attrNameLst>
+                                      </p:cBhvr>
+                                      <p:to>
+                                        <p:strVal val="visible"/>
+                                      </p:to>
+                                    </p:set>
+                                  </p:childTnLst>
+                                </p:cTn>
+                              </p:par>
+                              <p:par>
+                                <p:cTn id="51" presetID="1" presetClass="entr" presetSubtype="0" fill="hold" grpId="0" nodeType="withEffect">
+                                  <p:stCondLst>
+                                    <p:cond delay="0"/>
+                                  </p:stCondLst>
+                                  <p:childTnLst>
+                                    <p:set>
+                                      <p:cBhvr>
+                                        <p:cTn id="52" dur="1" fill="hold">
                                           <p:stCondLst>
                                             <p:cond delay="0"/>
                                           </p:stCondLst>
@@ -5425,26 +5509,26 @@
                     </p:cTn>
                   </p:par>
                   <p:par>
-                    <p:cTn id="50" fill="hold">
+                    <p:cTn id="53" fill="hold">
                       <p:stCondLst>
                         <p:cond delay="indefinite"/>
                       </p:stCondLst>
                       <p:childTnLst>
                         <p:par>
-                          <p:cTn id="51" fill="hold">
+                          <p:cTn id="54" fill="hold">
                             <p:stCondLst>
                               <p:cond delay="0"/>
                             </p:stCondLst>
                             <p:childTnLst>
                               <p:par>
-                                <p:cTn id="52" presetID="1" presetClass="entr" presetSubtype="0" fill="hold" grpId="0" nodeType="clickEffect">
+                                <p:cTn id="55" presetID="1" presetClass="entr" presetSubtype="0" fill="hold" grpId="0" nodeType="clickEffect">
                                   <p:stCondLst>
                                     <p:cond delay="0"/>
                                   </p:stCondLst>
                                   <p:childTnLst>
                                     <p:set>
                                       <p:cBhvr>
-                                        <p:cTn id="53" dur="1" fill="hold">
+                                        <p:cTn id="56" dur="1" fill="hold">
                                           <p:stCondLst>
                                             <p:cond delay="0"/>
                                           </p:stCondLst>
@@ -5470,26 +5554,26 @@
                     </p:cTn>
                   </p:par>
                   <p:par>
-                    <p:cTn id="54" fill="hold">
+                    <p:cTn id="57" fill="hold">
                       <p:stCondLst>
                         <p:cond delay="indefinite"/>
                       </p:stCondLst>
                       <p:childTnLst>
                         <p:par>
-                          <p:cTn id="55" fill="hold">
+                          <p:cTn id="58" fill="hold">
                             <p:stCondLst>
                               <p:cond delay="0"/>
                             </p:stCondLst>
                             <p:childTnLst>
                               <p:par>
-                                <p:cTn id="56" presetID="1" presetClass="entr" presetSubtype="0" fill="hold" grpId="0" nodeType="clickEffect">
+                                <p:cTn id="59" presetID="1" presetClass="entr" presetSubtype="0" fill="hold" grpId="0" nodeType="clickEffect">
                                   <p:stCondLst>
                                     <p:cond delay="0"/>
                                   </p:stCondLst>
                                   <p:childTnLst>
                                     <p:set>
                                       <p:cBhvr>
-                                        <p:cTn id="57" dur="1" fill="hold">
+                                        <p:cTn id="60" dur="1" fill="hold">
                                           <p:stCondLst>
                                             <p:cond delay="0"/>
                                           </p:stCondLst>
@@ -5515,26 +5599,26 @@
                     </p:cTn>
                   </p:par>
                   <p:par>
-                    <p:cTn id="58" fill="hold">
+                    <p:cTn id="61" fill="hold">
                       <p:stCondLst>
                         <p:cond delay="indefinite"/>
                       </p:stCondLst>
                       <p:childTnLst>
                         <p:par>
-                          <p:cTn id="59" fill="hold">
+                          <p:cTn id="62" fill="hold">
                             <p:stCondLst>
                               <p:cond delay="0"/>
                             </p:stCondLst>
                             <p:childTnLst>
                               <p:par>
-                                <p:cTn id="60" presetID="1" presetClass="entr" presetSubtype="0" fill="hold" grpId="0" nodeType="clickEffect">
+                                <p:cTn id="63" presetID="1" presetClass="entr" presetSubtype="0" fill="hold" grpId="0" nodeType="clickEffect">
                                   <p:stCondLst>
                                     <p:cond delay="0"/>
                                   </p:stCondLst>
                                   <p:childTnLst>
                                     <p:set>
                                       <p:cBhvr>
-                                        <p:cTn id="61" dur="1" fill="hold">
+                                        <p:cTn id="64" dur="1" fill="hold">
                                           <p:stCondLst>
                                             <p:cond delay="0"/>
                                           </p:stCondLst>
@@ -5560,26 +5644,26 @@
                     </p:cTn>
                   </p:par>
                   <p:par>
-                    <p:cTn id="62" fill="hold">
+                    <p:cTn id="65" fill="hold">
                       <p:stCondLst>
                         <p:cond delay="indefinite"/>
                       </p:stCondLst>
                       <p:childTnLst>
                         <p:par>
-                          <p:cTn id="63" fill="hold">
+                          <p:cTn id="66" fill="hold">
                             <p:stCondLst>
                               <p:cond delay="0"/>
                             </p:stCondLst>
                             <p:childTnLst>
                               <p:par>
-                                <p:cTn id="64" presetID="1" presetClass="entr" presetSubtype="0" fill="hold" grpId="0" nodeType="clickEffect">
+                                <p:cTn id="67" presetID="1" presetClass="entr" presetSubtype="0" fill="hold" grpId="0" nodeType="clickEffect">
                                   <p:stCondLst>
                                     <p:cond delay="0"/>
                                   </p:stCondLst>
                                   <p:childTnLst>
                                     <p:set>
                                       <p:cBhvr>
-                                        <p:cTn id="65" dur="1" fill="hold">
+                                        <p:cTn id="68" dur="1" fill="hold">
                                           <p:stCondLst>
                                             <p:cond delay="0"/>
                                           </p:stCondLst>
@@ -5605,26 +5689,26 @@
                     </p:cTn>
                   </p:par>
                   <p:par>
-                    <p:cTn id="66" fill="hold">
+                    <p:cTn id="69" fill="hold">
                       <p:stCondLst>
                         <p:cond delay="indefinite"/>
                       </p:stCondLst>
                       <p:childTnLst>
                         <p:par>
-                          <p:cTn id="67" fill="hold">
+                          <p:cTn id="70" fill="hold">
                             <p:stCondLst>
                               <p:cond delay="0"/>
                             </p:stCondLst>
                             <p:childTnLst>
                               <p:par>
-                                <p:cTn id="68" presetID="1" presetClass="entr" presetSubtype="0" fill="hold" grpId="0" nodeType="clickEffect">
+                                <p:cTn id="71" presetID="1" presetClass="entr" presetSubtype="0" fill="hold" grpId="0" nodeType="clickEffect">
                                   <p:stCondLst>
                                     <p:cond delay="0"/>
                                   </p:stCondLst>
                                   <p:childTnLst>
                                     <p:set>
                                       <p:cBhvr>
-                                        <p:cTn id="69" dur="1" fill="hold">
+                                        <p:cTn id="72" dur="1" fill="hold">
                                           <p:stCondLst>
                                             <p:cond delay="0"/>
                                           </p:stCondLst>
@@ -5650,26 +5734,26 @@
                     </p:cTn>
                   </p:par>
                   <p:par>
-                    <p:cTn id="70" fill="hold">
+                    <p:cTn id="73" fill="hold">
                       <p:stCondLst>
                         <p:cond delay="indefinite"/>
                       </p:stCondLst>
                       <p:childTnLst>
                         <p:par>
-                          <p:cTn id="71" fill="hold">
+                          <p:cTn id="74" fill="hold">
                             <p:stCondLst>
                               <p:cond delay="0"/>
                             </p:stCondLst>
                             <p:childTnLst>
                               <p:par>
-                                <p:cTn id="72" presetID="1" presetClass="entr" presetSubtype="0" fill="hold" grpId="0" nodeType="clickEffect">
+                                <p:cTn id="75" presetID="1" presetClass="entr" presetSubtype="0" fill="hold" grpId="0" nodeType="clickEffect">
                                   <p:stCondLst>
                                     <p:cond delay="0"/>
                                   </p:stCondLst>
                                   <p:childTnLst>
                                     <p:set>
                                       <p:cBhvr>
-                                        <p:cTn id="73" dur="1" fill="hold">
+                                        <p:cTn id="76" dur="1" fill="hold">
                                           <p:stCondLst>
                                             <p:cond delay="0"/>
                                           </p:stCondLst>
@@ -5734,6 +5818,7 @@
       <p:bldP spid="62" grpId="0" animBg="1"/>
       <p:bldP spid="63" grpId="0" animBg="1"/>
       <p:bldP spid="3" grpId="0"/>
+      <p:bldP spid="21" grpId="0" animBg="1"/>
     </p:bldLst>
   </p:timing>
 </p:sld>
@@ -5771,7 +5856,7 @@
           <p:nvPr>
             <p:extLst>
               <p:ext uri="{D42A27DB-BD31-4B8C-83A1-F6EECF244321}">
-                <p14:modId xmlns:p14="http://schemas.microsoft.com/office/powerpoint/2010/main" val="1376198787"/>
+                <p14:modId xmlns:p14="http://schemas.microsoft.com/office/powerpoint/2010/main" val="764877004"/>
               </p:ext>
             </p:extLst>
           </p:nvPr>
@@ -5832,7 +5917,11 @@
                       <a:pPr algn="ctr"/>
                       <a:r>
                         <a:rPr lang="en-GB" dirty="0"/>
-                        <a:t>Week 1</a:t>
+                        <a:t>Week 1 </a:t>
+                      </a:r>
+                      <a:r>
+                        <a:rPr lang="en-GB" i="0" dirty="0"/>
+                        <a:t>(w/c 25 Jan)</a:t>
                       </a:r>
                     </a:p>
                   </a:txBody>
@@ -5846,7 +5935,7 @@
                       <a:pPr algn="ctr"/>
                       <a:r>
                         <a:rPr lang="en-GB" dirty="0"/>
-                        <a:t>Week 2</a:t>
+                        <a:t>Week 2 (w/c 1 Feb)</a:t>
                       </a:r>
                     </a:p>
                   </a:txBody>
@@ -5860,7 +5949,7 @@
                       <a:pPr algn="ctr"/>
                       <a:r>
                         <a:rPr lang="en-GB" dirty="0"/>
-                        <a:t>Week 3</a:t>
+                        <a:t>Week 3 (w/c 8 Feb)</a:t>
                       </a:r>
                     </a:p>
                   </a:txBody>
@@ -5874,7 +5963,7 @@
                       <a:pPr algn="ctr"/>
                       <a:r>
                         <a:rPr lang="en-GB" dirty="0"/>
-                        <a:t>Week 4</a:t>
+                        <a:t>Week 4 (w/c 15 Feb)</a:t>
                       </a:r>
                     </a:p>
                   </a:txBody>
@@ -5888,7 +5977,7 @@
                       <a:pPr algn="ctr"/>
                       <a:r>
                         <a:rPr lang="en-GB" dirty="0"/>
-                        <a:t>Week 5</a:t>
+                        <a:t>Week 5 (w/c 22 Feb)</a:t>
                       </a:r>
                     </a:p>
                   </a:txBody>
@@ -5909,7 +5998,7 @@
                       <a:pPr algn="ctr"/>
                       <a:r>
                         <a:rPr lang="en-GB" dirty="0"/>
-                        <a:t>Week 6</a:t>
+                        <a:t>Week 6 (w/c 1 Mar)</a:t>
                       </a:r>
                     </a:p>
                   </a:txBody>
@@ -5923,7 +6012,7 @@
                       <a:pPr algn="ctr"/>
                       <a:r>
                         <a:rPr lang="en-GB" dirty="0"/>
-                        <a:t>Week 7</a:t>
+                        <a:t>Week 7 (w/c 8 Mar)</a:t>
                       </a:r>
                     </a:p>
                   </a:txBody>
@@ -5937,7 +6026,7 @@
                       <a:pPr algn="ctr"/>
                       <a:r>
                         <a:rPr lang="en-GB" dirty="0"/>
-                        <a:t>Week 8</a:t>
+                        <a:t>Week 8 (w/c 15 Mar)</a:t>
                       </a:r>
                     </a:p>
                   </a:txBody>
@@ -5951,7 +6040,7 @@
                       <a:pPr algn="ctr"/>
                       <a:r>
                         <a:rPr lang="en-GB" dirty="0"/>
-                        <a:t>Week 9</a:t>
+                        <a:t>Week 9 (w/c 22 Mar)</a:t>
                       </a:r>
                     </a:p>
                   </a:txBody>
@@ -6053,7 +6142,7 @@
                       <a:pPr algn="ctr"/>
                       <a:r>
                         <a:rPr lang="en-GB" dirty="0"/>
-                        <a:t>Week 10</a:t>
+                        <a:t>Week 10 (w/c 12 Apr)</a:t>
                       </a:r>
                     </a:p>
                   </a:txBody>
@@ -6067,7 +6156,7 @@
                       <a:pPr algn="ctr"/>
                       <a:r>
                         <a:rPr lang="en-GB" dirty="0"/>
-                        <a:t>Week 11</a:t>
+                        <a:t>Week 11 (w/c 19 Apr)</a:t>
                       </a:r>
                     </a:p>
                   </a:txBody>
@@ -6081,7 +6170,7 @@
                       <a:pPr algn="ctr"/>
                       <a:r>
                         <a:rPr lang="en-GB" dirty="0"/>
-                        <a:t>Week 12</a:t>
+                        <a:t>Week 12 (w/c 26 Apr)</a:t>
                       </a:r>
                     </a:p>
                   </a:txBody>
@@ -6095,7 +6184,7 @@
                       <a:pPr algn="ctr"/>
                       <a:r>
                         <a:rPr lang="en-GB" dirty="0"/>
-                        <a:t>Week 13</a:t>
+                        <a:t>Week 13 (w/c 3 May)</a:t>
                       </a:r>
                     </a:p>
                   </a:txBody>
@@ -7779,6 +7868,102 @@
                 <a:srgbClr val="FF0000"/>
               </a:solidFill>
             </a:endParaRPr>
+          </a:p>
+        </p:txBody>
+      </p:sp>
+      <p:sp>
+        <p:nvSpPr>
+          <p:cNvPr id="41" name="TextBox 40">
+            <a:extLst>
+              <a:ext uri="{FF2B5EF4-FFF2-40B4-BE49-F238E27FC236}">
+                <a16:creationId xmlns:a16="http://schemas.microsoft.com/office/drawing/2014/main" id="{529B52AB-B118-4A2A-81FE-88EE6D26E68D}"/>
+              </a:ext>
+            </a:extLst>
+          </p:cNvPr>
+          <p:cNvSpPr txBox="1"/>
+          <p:nvPr/>
+        </p:nvSpPr>
+        <p:spPr>
+          <a:xfrm>
+            <a:off x="485316" y="2592309"/>
+            <a:ext cx="2130950" cy="338554"/>
+          </a:xfrm>
+          <a:prstGeom prst="rect">
+            <a:avLst/>
+          </a:prstGeom>
+        </p:spPr>
+        <p:style>
+          <a:lnRef idx="1">
+            <a:schemeClr val="accent3"/>
+          </a:lnRef>
+          <a:fillRef idx="3">
+            <a:schemeClr val="accent3"/>
+          </a:fillRef>
+          <a:effectRef idx="2">
+            <a:schemeClr val="accent3"/>
+          </a:effectRef>
+          <a:fontRef idx="minor">
+            <a:schemeClr val="lt1"/>
+          </a:fontRef>
+        </p:style>
+        <p:txBody>
+          <a:bodyPr wrap="square" rtlCol="0">
+            <a:spAutoFit/>
+          </a:bodyPr>
+          <a:lstStyle/>
+          <a:p>
+            <a:r>
+              <a:rPr lang="en-GB" sz="1600" dirty="0"/>
+              <a:t>Studio practice week</a:t>
+            </a:r>
+          </a:p>
+        </p:txBody>
+      </p:sp>
+      <p:sp>
+        <p:nvSpPr>
+          <p:cNvPr id="43" name="TextBox 42">
+            <a:extLst>
+              <a:ext uri="{FF2B5EF4-FFF2-40B4-BE49-F238E27FC236}">
+                <a16:creationId xmlns:a16="http://schemas.microsoft.com/office/drawing/2014/main" id="{12A47799-E131-435F-9AC0-FD283296B6BA}"/>
+              </a:ext>
+            </a:extLst>
+          </p:cNvPr>
+          <p:cNvSpPr txBox="1"/>
+          <p:nvPr/>
+        </p:nvSpPr>
+        <p:spPr>
+          <a:xfrm>
+            <a:off x="7255566" y="1066584"/>
+            <a:ext cx="2130950" cy="584775"/>
+          </a:xfrm>
+          <a:prstGeom prst="rect">
+            <a:avLst/>
+          </a:prstGeom>
+        </p:spPr>
+        <p:style>
+          <a:lnRef idx="1">
+            <a:schemeClr val="accent3"/>
+          </a:lnRef>
+          <a:fillRef idx="3">
+            <a:schemeClr val="accent3"/>
+          </a:fillRef>
+          <a:effectRef idx="2">
+            <a:schemeClr val="accent3"/>
+          </a:effectRef>
+          <a:fontRef idx="minor">
+            <a:schemeClr val="lt1"/>
+          </a:fontRef>
+        </p:style>
+        <p:txBody>
+          <a:bodyPr wrap="square" rtlCol="0">
+            <a:spAutoFit/>
+          </a:bodyPr>
+          <a:lstStyle/>
+          <a:p>
+            <a:r>
+              <a:rPr lang="en-GB" sz="1600" dirty="0"/>
+              <a:t>Applicant interview week</a:t>
+            </a:r>
           </a:p>
         </p:txBody>
       </p:sp>
@@ -7826,7 +8011,7 @@
                                           </p:stCondLst>
                                         </p:cTn>
                                         <p:tgtEl>
-                                          <p:spTgt spid="27"/>
+                                          <p:spTgt spid="43"/>
                                         </p:tgtEl>
                                         <p:attrNameLst>
                                           <p:attrName>style.visibility</p:attrName>
@@ -7853,7 +8038,7 @@
                                           </p:stCondLst>
                                         </p:cTn>
                                         <p:tgtEl>
-                                          <p:spTgt spid="29"/>
+                                          <p:spTgt spid="41"/>
                                         </p:tgtEl>
                                         <p:attrNameLst>
                                           <p:attrName>style.visibility</p:attrName>
@@ -7866,35 +8051,26 @@
                                   </p:childTnLst>
                                 </p:cTn>
                               </p:par>
+                            </p:childTnLst>
+                          </p:cTn>
+                        </p:par>
+                      </p:childTnLst>
+                    </p:cTn>
+                  </p:par>
+                  <p:par>
+                    <p:cTn id="9" fill="hold">
+                      <p:stCondLst>
+                        <p:cond delay="indefinite"/>
+                      </p:stCondLst>
+                      <p:childTnLst>
+                        <p:par>
+                          <p:cTn id="10" fill="hold">
+                            <p:stCondLst>
+                              <p:cond delay="0"/>
+                            </p:stCondLst>
+                            <p:childTnLst>
                               <p:par>
-                                <p:cTn id="9" presetID="1" presetClass="entr" presetSubtype="0" fill="hold" grpId="0" nodeType="withEffect">
-                                  <p:stCondLst>
-                                    <p:cond delay="0"/>
-                                  </p:stCondLst>
-                                  <p:childTnLst>
-                                    <p:set>
-                                      <p:cBhvr>
-                                        <p:cTn id="10" dur="1" fill="hold">
-                                          <p:stCondLst>
-                                            <p:cond delay="0"/>
-                                          </p:stCondLst>
-                                        </p:cTn>
-                                        <p:tgtEl>
-                                          <p:spTgt spid="31"/>
-                                        </p:tgtEl>
-                                        <p:attrNameLst>
-                                          <p:attrName>style.visibility</p:attrName>
-                                        </p:attrNameLst>
-                                      </p:cBhvr>
-                                      <p:to>
-                                        <p:strVal val="visible"/>
-                                      </p:to>
-                                    </p:set>
-                                  </p:childTnLst>
-                                </p:cTn>
-                              </p:par>
-                              <p:par>
-                                <p:cTn id="11" presetID="1" presetClass="entr" presetSubtype="0" fill="hold" grpId="0" nodeType="withEffect">
+                                <p:cTn id="11" presetID="1" presetClass="entr" presetSubtype="0" fill="hold" grpId="0" nodeType="clickEffect">
                                   <p:stCondLst>
                                     <p:cond delay="0"/>
                                   </p:stCondLst>
@@ -7907,7 +8083,7 @@
                                           </p:stCondLst>
                                         </p:cTn>
                                         <p:tgtEl>
-                                          <p:spTgt spid="33"/>
+                                          <p:spTgt spid="27"/>
                                         </p:tgtEl>
                                         <p:attrNameLst>
                                           <p:attrName>style.visibility</p:attrName>
@@ -7934,7 +8110,7 @@
                                           </p:stCondLst>
                                         </p:cTn>
                                         <p:tgtEl>
-                                          <p:spTgt spid="39"/>
+                                          <p:spTgt spid="29"/>
                                         </p:tgtEl>
                                         <p:attrNameLst>
                                           <p:attrName>style.visibility</p:attrName>
@@ -7961,7 +8137,7 @@
                                           </p:stCondLst>
                                         </p:cTn>
                                         <p:tgtEl>
-                                          <p:spTgt spid="49"/>
+                                          <p:spTgt spid="31"/>
                                         </p:tgtEl>
                                         <p:attrNameLst>
                                           <p:attrName>style.visibility</p:attrName>
@@ -7988,7 +8164,7 @@
                                           </p:stCondLst>
                                         </p:cTn>
                                         <p:tgtEl>
-                                          <p:spTgt spid="21"/>
+                                          <p:spTgt spid="33"/>
                                         </p:tgtEl>
                                         <p:attrNameLst>
                                           <p:attrName>style.visibility</p:attrName>
@@ -8015,7 +8191,7 @@
                                           </p:stCondLst>
                                         </p:cTn>
                                         <p:tgtEl>
-                                          <p:spTgt spid="22"/>
+                                          <p:spTgt spid="39"/>
                                         </p:tgtEl>
                                         <p:attrNameLst>
                                           <p:attrName>style.visibility</p:attrName>
@@ -8042,7 +8218,7 @@
                                           </p:stCondLst>
                                         </p:cTn>
                                         <p:tgtEl>
-                                          <p:spTgt spid="23"/>
+                                          <p:spTgt spid="49"/>
                                         </p:tgtEl>
                                         <p:attrNameLst>
                                           <p:attrName>style.visibility</p:attrName>
@@ -8055,26 +8231,35 @@
                                   </p:childTnLst>
                                 </p:cTn>
                               </p:par>
-                            </p:childTnLst>
-                          </p:cTn>
-                        </p:par>
-                      </p:childTnLst>
-                    </p:cTn>
-                  </p:par>
-                  <p:par>
-                    <p:cTn id="23" fill="hold">
-                      <p:stCondLst>
-                        <p:cond delay="indefinite"/>
-                      </p:stCondLst>
-                      <p:childTnLst>
-                        <p:par>
-                          <p:cTn id="24" fill="hold">
-                            <p:stCondLst>
-                              <p:cond delay="0"/>
-                            </p:stCondLst>
-                            <p:childTnLst>
                               <p:par>
-                                <p:cTn id="25" presetID="1" presetClass="entr" presetSubtype="0" fill="hold" grpId="0" nodeType="clickEffect">
+                                <p:cTn id="23" presetID="1" presetClass="entr" presetSubtype="0" fill="hold" grpId="0" nodeType="withEffect">
+                                  <p:stCondLst>
+                                    <p:cond delay="0"/>
+                                  </p:stCondLst>
+                                  <p:childTnLst>
+                                    <p:set>
+                                      <p:cBhvr>
+                                        <p:cTn id="24" dur="1" fill="hold">
+                                          <p:stCondLst>
+                                            <p:cond delay="0"/>
+                                          </p:stCondLst>
+                                        </p:cTn>
+                                        <p:tgtEl>
+                                          <p:spTgt spid="21"/>
+                                        </p:tgtEl>
+                                        <p:attrNameLst>
+                                          <p:attrName>style.visibility</p:attrName>
+                                        </p:attrNameLst>
+                                      </p:cBhvr>
+                                      <p:to>
+                                        <p:strVal val="visible"/>
+                                      </p:to>
+                                    </p:set>
+                                  </p:childTnLst>
+                                </p:cTn>
+                              </p:par>
+                              <p:par>
+                                <p:cTn id="25" presetID="1" presetClass="entr" presetSubtype="0" fill="hold" grpId="0" nodeType="withEffect">
                                   <p:stCondLst>
                                     <p:cond delay="0"/>
                                   </p:stCondLst>
@@ -8087,7 +8272,7 @@
                                           </p:stCondLst>
                                         </p:cTn>
                                         <p:tgtEl>
-                                          <p:spTgt spid="57"/>
+                                          <p:spTgt spid="22"/>
                                         </p:tgtEl>
                                         <p:attrNameLst>
                                           <p:attrName>style.visibility</p:attrName>
@@ -8114,7 +8299,7 @@
                                           </p:stCondLst>
                                         </p:cTn>
                                         <p:tgtEl>
-                                          <p:spTgt spid="24"/>
+                                          <p:spTgt spid="23"/>
                                         </p:tgtEl>
                                         <p:attrNameLst>
                                           <p:attrName>style.visibility</p:attrName>
@@ -8127,35 +8312,26 @@
                                   </p:childTnLst>
                                 </p:cTn>
                               </p:par>
+                            </p:childTnLst>
+                          </p:cTn>
+                        </p:par>
+                      </p:childTnLst>
+                    </p:cTn>
+                  </p:par>
+                  <p:par>
+                    <p:cTn id="29" fill="hold">
+                      <p:stCondLst>
+                        <p:cond delay="indefinite"/>
+                      </p:stCondLst>
+                      <p:childTnLst>
+                        <p:par>
+                          <p:cTn id="30" fill="hold">
+                            <p:stCondLst>
+                              <p:cond delay="0"/>
+                            </p:stCondLst>
+                            <p:childTnLst>
                               <p:par>
-                                <p:cTn id="29" presetID="1" presetClass="entr" presetSubtype="0" fill="hold" grpId="0" nodeType="withEffect">
-                                  <p:stCondLst>
-                                    <p:cond delay="0"/>
-                                  </p:stCondLst>
-                                  <p:childTnLst>
-                                    <p:set>
-                                      <p:cBhvr>
-                                        <p:cTn id="30" dur="1" fill="hold">
-                                          <p:stCondLst>
-                                            <p:cond delay="0"/>
-                                          </p:stCondLst>
-                                        </p:cTn>
-                                        <p:tgtEl>
-                                          <p:spTgt spid="25"/>
-                                        </p:tgtEl>
-                                        <p:attrNameLst>
-                                          <p:attrName>style.visibility</p:attrName>
-                                        </p:attrNameLst>
-                                      </p:cBhvr>
-                                      <p:to>
-                                        <p:strVal val="visible"/>
-                                      </p:to>
-                                    </p:set>
-                                  </p:childTnLst>
-                                </p:cTn>
-                              </p:par>
-                              <p:par>
-                                <p:cTn id="31" presetID="1" presetClass="entr" presetSubtype="0" fill="hold" grpId="0" nodeType="withEffect">
+                                <p:cTn id="31" presetID="1" presetClass="entr" presetSubtype="0" fill="hold" grpId="0" nodeType="clickEffect">
                                   <p:stCondLst>
                                     <p:cond delay="0"/>
                                   </p:stCondLst>
@@ -8168,7 +8344,7 @@
                                           </p:stCondLst>
                                         </p:cTn>
                                         <p:tgtEl>
-                                          <p:spTgt spid="26"/>
+                                          <p:spTgt spid="57"/>
                                         </p:tgtEl>
                                         <p:attrNameLst>
                                           <p:attrName>style.visibility</p:attrName>
@@ -8195,7 +8371,7 @@
                                           </p:stCondLst>
                                         </p:cTn>
                                         <p:tgtEl>
-                                          <p:spTgt spid="28"/>
+                                          <p:spTgt spid="24"/>
                                         </p:tgtEl>
                                         <p:attrNameLst>
                                           <p:attrName>style.visibility</p:attrName>
@@ -8222,7 +8398,7 @@
                                           </p:stCondLst>
                                         </p:cTn>
                                         <p:tgtEl>
-                                          <p:spTgt spid="32"/>
+                                          <p:spTgt spid="25"/>
                                         </p:tgtEl>
                                         <p:attrNameLst>
                                           <p:attrName>style.visibility</p:attrName>
@@ -8249,7 +8425,7 @@
                                           </p:stCondLst>
                                         </p:cTn>
                                         <p:tgtEl>
-                                          <p:spTgt spid="34"/>
+                                          <p:spTgt spid="26"/>
                                         </p:tgtEl>
                                         <p:attrNameLst>
                                           <p:attrName>style.visibility</p:attrName>
@@ -8276,7 +8452,7 @@
                                           </p:stCondLst>
                                         </p:cTn>
                                         <p:tgtEl>
-                                          <p:spTgt spid="30"/>
+                                          <p:spTgt spid="28"/>
                                         </p:tgtEl>
                                         <p:attrNameLst>
                                           <p:attrName>style.visibility</p:attrName>
@@ -8303,7 +8479,7 @@
                                           </p:stCondLst>
                                         </p:cTn>
                                         <p:tgtEl>
-                                          <p:spTgt spid="35"/>
+                                          <p:spTgt spid="32"/>
                                         </p:tgtEl>
                                         <p:attrNameLst>
                                           <p:attrName>style.visibility</p:attrName>
@@ -8330,7 +8506,7 @@
                                           </p:stCondLst>
                                         </p:cTn>
                                         <p:tgtEl>
-                                          <p:spTgt spid="36"/>
+                                          <p:spTgt spid="34"/>
                                         </p:tgtEl>
                                         <p:attrNameLst>
                                           <p:attrName>style.visibility</p:attrName>
@@ -8343,26 +8519,35 @@
                                   </p:childTnLst>
                                 </p:cTn>
                               </p:par>
-                            </p:childTnLst>
-                          </p:cTn>
-                        </p:par>
-                      </p:childTnLst>
-                    </p:cTn>
-                  </p:par>
-                  <p:par>
-                    <p:cTn id="45" fill="hold">
-                      <p:stCondLst>
-                        <p:cond delay="indefinite"/>
-                      </p:stCondLst>
-                      <p:childTnLst>
-                        <p:par>
-                          <p:cTn id="46" fill="hold">
-                            <p:stCondLst>
-                              <p:cond delay="0"/>
-                            </p:stCondLst>
-                            <p:childTnLst>
                               <p:par>
-                                <p:cTn id="47" presetID="1" presetClass="entr" presetSubtype="0" fill="hold" grpId="0" nodeType="clickEffect">
+                                <p:cTn id="45" presetID="1" presetClass="entr" presetSubtype="0" fill="hold" grpId="0" nodeType="withEffect">
+                                  <p:stCondLst>
+                                    <p:cond delay="0"/>
+                                  </p:stCondLst>
+                                  <p:childTnLst>
+                                    <p:set>
+                                      <p:cBhvr>
+                                        <p:cTn id="46" dur="1" fill="hold">
+                                          <p:stCondLst>
+                                            <p:cond delay="0"/>
+                                          </p:stCondLst>
+                                        </p:cTn>
+                                        <p:tgtEl>
+                                          <p:spTgt spid="30"/>
+                                        </p:tgtEl>
+                                        <p:attrNameLst>
+                                          <p:attrName>style.visibility</p:attrName>
+                                        </p:attrNameLst>
+                                      </p:cBhvr>
+                                      <p:to>
+                                        <p:strVal val="visible"/>
+                                      </p:to>
+                                    </p:set>
+                                  </p:childTnLst>
+                                </p:cTn>
+                              </p:par>
+                              <p:par>
+                                <p:cTn id="47" presetID="1" presetClass="entr" presetSubtype="0" fill="hold" grpId="0" nodeType="withEffect">
                                   <p:stCondLst>
                                     <p:cond delay="0"/>
                                   </p:stCondLst>
@@ -8375,7 +8560,7 @@
                                           </p:stCondLst>
                                         </p:cTn>
                                         <p:tgtEl>
-                                          <p:spTgt spid="37"/>
+                                          <p:spTgt spid="35"/>
                                         </p:tgtEl>
                                         <p:attrNameLst>
                                           <p:attrName>style.visibility</p:attrName>
@@ -8402,7 +8587,7 @@
                                           </p:stCondLst>
                                         </p:cTn>
                                         <p:tgtEl>
-                                          <p:spTgt spid="38"/>
+                                          <p:spTgt spid="36"/>
                                         </p:tgtEl>
                                         <p:attrNameLst>
                                           <p:attrName>style.visibility</p:attrName>
@@ -8415,35 +8600,26 @@
                                   </p:childTnLst>
                                 </p:cTn>
                               </p:par>
+                            </p:childTnLst>
+                          </p:cTn>
+                        </p:par>
+                      </p:childTnLst>
+                    </p:cTn>
+                  </p:par>
+                  <p:par>
+                    <p:cTn id="51" fill="hold">
+                      <p:stCondLst>
+                        <p:cond delay="indefinite"/>
+                      </p:stCondLst>
+                      <p:childTnLst>
+                        <p:par>
+                          <p:cTn id="52" fill="hold">
+                            <p:stCondLst>
+                              <p:cond delay="0"/>
+                            </p:stCondLst>
+                            <p:childTnLst>
                               <p:par>
-                                <p:cTn id="51" presetID="1" presetClass="entr" presetSubtype="0" fill="hold" grpId="0" nodeType="withEffect">
-                                  <p:stCondLst>
-                                    <p:cond delay="0"/>
-                                  </p:stCondLst>
-                                  <p:childTnLst>
-                                    <p:set>
-                                      <p:cBhvr>
-                                        <p:cTn id="52" dur="1" fill="hold">
-                                          <p:stCondLst>
-                                            <p:cond delay="0"/>
-                                          </p:stCondLst>
-                                        </p:cTn>
-                                        <p:tgtEl>
-                                          <p:spTgt spid="40"/>
-                                        </p:tgtEl>
-                                        <p:attrNameLst>
-                                          <p:attrName>style.visibility</p:attrName>
-                                        </p:attrNameLst>
-                                      </p:cBhvr>
-                                      <p:to>
-                                        <p:strVal val="visible"/>
-                                      </p:to>
-                                    </p:set>
-                                  </p:childTnLst>
-                                </p:cTn>
-                              </p:par>
-                              <p:par>
-                                <p:cTn id="53" presetID="1" presetClass="entr" presetSubtype="0" fill="hold" grpId="0" nodeType="withEffect">
+                                <p:cTn id="53" presetID="1" presetClass="entr" presetSubtype="0" fill="hold" grpId="0" nodeType="clickEffect">
                                   <p:stCondLst>
                                     <p:cond delay="0"/>
                                   </p:stCondLst>
@@ -8456,7 +8632,7 @@
                                           </p:stCondLst>
                                         </p:cTn>
                                         <p:tgtEl>
-                                          <p:spTgt spid="42"/>
+                                          <p:spTgt spid="37"/>
                                         </p:tgtEl>
                                         <p:attrNameLst>
                                           <p:attrName>style.visibility</p:attrName>
@@ -8483,7 +8659,7 @@
                                           </p:stCondLst>
                                         </p:cTn>
                                         <p:tgtEl>
-                                          <p:spTgt spid="44"/>
+                                          <p:spTgt spid="38"/>
                                         </p:tgtEl>
                                         <p:attrNameLst>
                                           <p:attrName>style.visibility</p:attrName>
@@ -8510,6 +8686,87 @@
                                           </p:stCondLst>
                                         </p:cTn>
                                         <p:tgtEl>
+                                          <p:spTgt spid="40"/>
+                                        </p:tgtEl>
+                                        <p:attrNameLst>
+                                          <p:attrName>style.visibility</p:attrName>
+                                        </p:attrNameLst>
+                                      </p:cBhvr>
+                                      <p:to>
+                                        <p:strVal val="visible"/>
+                                      </p:to>
+                                    </p:set>
+                                  </p:childTnLst>
+                                </p:cTn>
+                              </p:par>
+                              <p:par>
+                                <p:cTn id="59" presetID="1" presetClass="entr" presetSubtype="0" fill="hold" grpId="0" nodeType="withEffect">
+                                  <p:stCondLst>
+                                    <p:cond delay="0"/>
+                                  </p:stCondLst>
+                                  <p:childTnLst>
+                                    <p:set>
+                                      <p:cBhvr>
+                                        <p:cTn id="60" dur="1" fill="hold">
+                                          <p:stCondLst>
+                                            <p:cond delay="0"/>
+                                          </p:stCondLst>
+                                        </p:cTn>
+                                        <p:tgtEl>
+                                          <p:spTgt spid="42"/>
+                                        </p:tgtEl>
+                                        <p:attrNameLst>
+                                          <p:attrName>style.visibility</p:attrName>
+                                        </p:attrNameLst>
+                                      </p:cBhvr>
+                                      <p:to>
+                                        <p:strVal val="visible"/>
+                                      </p:to>
+                                    </p:set>
+                                  </p:childTnLst>
+                                </p:cTn>
+                              </p:par>
+                              <p:par>
+                                <p:cTn id="61" presetID="1" presetClass="entr" presetSubtype="0" fill="hold" grpId="0" nodeType="withEffect">
+                                  <p:stCondLst>
+                                    <p:cond delay="0"/>
+                                  </p:stCondLst>
+                                  <p:childTnLst>
+                                    <p:set>
+                                      <p:cBhvr>
+                                        <p:cTn id="62" dur="1" fill="hold">
+                                          <p:stCondLst>
+                                            <p:cond delay="0"/>
+                                          </p:stCondLst>
+                                        </p:cTn>
+                                        <p:tgtEl>
+                                          <p:spTgt spid="44"/>
+                                        </p:tgtEl>
+                                        <p:attrNameLst>
+                                          <p:attrName>style.visibility</p:attrName>
+                                        </p:attrNameLst>
+                                      </p:cBhvr>
+                                      <p:to>
+                                        <p:strVal val="visible"/>
+                                      </p:to>
+                                    </p:set>
+                                  </p:childTnLst>
+                                </p:cTn>
+                              </p:par>
+                              <p:par>
+                                <p:cTn id="63" presetID="1" presetClass="entr" presetSubtype="0" fill="hold" grpId="0" nodeType="withEffect">
+                                  <p:stCondLst>
+                                    <p:cond delay="0"/>
+                                  </p:stCondLst>
+                                  <p:childTnLst>
+                                    <p:set>
+                                      <p:cBhvr>
+                                        <p:cTn id="64" dur="1" fill="hold">
+                                          <p:stCondLst>
+                                            <p:cond delay="0"/>
+                                          </p:stCondLst>
+                                        </p:cTn>
+                                        <p:tgtEl>
                                           <p:spTgt spid="48"/>
                                         </p:tgtEl>
                                         <p:attrNameLst>
@@ -8530,91 +8787,19 @@
                     </p:cTn>
                   </p:par>
                   <p:par>
-                    <p:cTn id="59" fill="hold">
+                    <p:cTn id="65" fill="hold">
                       <p:stCondLst>
                         <p:cond delay="indefinite"/>
                       </p:stCondLst>
                       <p:childTnLst>
                         <p:par>
-                          <p:cTn id="60" fill="hold">
+                          <p:cTn id="66" fill="hold">
                             <p:stCondLst>
                               <p:cond delay="0"/>
                             </p:stCondLst>
                             <p:childTnLst>
                               <p:par>
-                                <p:cTn id="61" presetID="1" presetClass="entr" presetSubtype="0" fill="hold" grpId="0" nodeType="clickEffect">
-                                  <p:stCondLst>
-                                    <p:cond delay="0"/>
-                                  </p:stCondLst>
-                                  <p:childTnLst>
-                                    <p:set>
-                                      <p:cBhvr>
-                                        <p:cTn id="62" dur="1" fill="hold">
-                                          <p:stCondLst>
-                                            <p:cond delay="0"/>
-                                          </p:stCondLst>
-                                        </p:cTn>
-                                        <p:tgtEl>
-                                          <p:spTgt spid="50"/>
-                                        </p:tgtEl>
-                                        <p:attrNameLst>
-                                          <p:attrName>style.visibility</p:attrName>
-                                        </p:attrNameLst>
-                                      </p:cBhvr>
-                                      <p:to>
-                                        <p:strVal val="visible"/>
-                                      </p:to>
-                                    </p:set>
-                                  </p:childTnLst>
-                                </p:cTn>
-                              </p:par>
-                            </p:childTnLst>
-                          </p:cTn>
-                        </p:par>
-                      </p:childTnLst>
-                    </p:cTn>
-                  </p:par>
-                  <p:par>
-                    <p:cTn id="63" fill="hold">
-                      <p:stCondLst>
-                        <p:cond delay="indefinite"/>
-                      </p:stCondLst>
-                      <p:childTnLst>
-                        <p:par>
-                          <p:cTn id="64" fill="hold">
-                            <p:stCondLst>
-                              <p:cond delay="0"/>
-                            </p:stCondLst>
-                            <p:childTnLst>
-                              <p:par>
-                                <p:cTn id="65" presetID="1" presetClass="entr" presetSubtype="0" fill="hold" grpId="0" nodeType="clickEffect">
-                                  <p:stCondLst>
-                                    <p:cond delay="0"/>
-                                  </p:stCondLst>
-                                  <p:childTnLst>
-                                    <p:set>
-                                      <p:cBhvr>
-                                        <p:cTn id="66" dur="1" fill="hold">
-                                          <p:stCondLst>
-                                            <p:cond delay="0"/>
-                                          </p:stCondLst>
-                                        </p:cTn>
-                                        <p:tgtEl>
-                                          <p:spTgt spid="51"/>
-                                        </p:tgtEl>
-                                        <p:attrNameLst>
-                                          <p:attrName>style.visibility</p:attrName>
-                                        </p:attrNameLst>
-                                      </p:cBhvr>
-                                      <p:to>
-                                        <p:strVal val="visible"/>
-                                      </p:to>
-                                    </p:set>
-                                  </p:childTnLst>
-                                </p:cTn>
-                              </p:par>
-                              <p:par>
-                                <p:cTn id="67" presetID="1" presetClass="entr" presetSubtype="0" fill="hold" grpId="0" nodeType="withEffect">
+                                <p:cTn id="67" presetID="1" presetClass="entr" presetSubtype="0" fill="hold" grpId="0" nodeType="clickEffect">
                                   <p:stCondLst>
                                     <p:cond delay="0"/>
                                   </p:stCondLst>
@@ -8627,7 +8812,7 @@
                                           </p:stCondLst>
                                         </p:cTn>
                                         <p:tgtEl>
-                                          <p:spTgt spid="53"/>
+                                          <p:spTgt spid="50"/>
                                         </p:tgtEl>
                                         <p:attrNameLst>
                                           <p:attrName>style.visibility</p:attrName>
@@ -8672,6 +8857,78 @@
                                           </p:stCondLst>
                                         </p:cTn>
                                         <p:tgtEl>
+                                          <p:spTgt spid="51"/>
+                                        </p:tgtEl>
+                                        <p:attrNameLst>
+                                          <p:attrName>style.visibility</p:attrName>
+                                        </p:attrNameLst>
+                                      </p:cBhvr>
+                                      <p:to>
+                                        <p:strVal val="visible"/>
+                                      </p:to>
+                                    </p:set>
+                                  </p:childTnLst>
+                                </p:cTn>
+                              </p:par>
+                              <p:par>
+                                <p:cTn id="73" presetID="1" presetClass="entr" presetSubtype="0" fill="hold" grpId="0" nodeType="withEffect">
+                                  <p:stCondLst>
+                                    <p:cond delay="0"/>
+                                  </p:stCondLst>
+                                  <p:childTnLst>
+                                    <p:set>
+                                      <p:cBhvr>
+                                        <p:cTn id="74" dur="1" fill="hold">
+                                          <p:stCondLst>
+                                            <p:cond delay="0"/>
+                                          </p:stCondLst>
+                                        </p:cTn>
+                                        <p:tgtEl>
+                                          <p:spTgt spid="53"/>
+                                        </p:tgtEl>
+                                        <p:attrNameLst>
+                                          <p:attrName>style.visibility</p:attrName>
+                                        </p:attrNameLst>
+                                      </p:cBhvr>
+                                      <p:to>
+                                        <p:strVal val="visible"/>
+                                      </p:to>
+                                    </p:set>
+                                  </p:childTnLst>
+                                </p:cTn>
+                              </p:par>
+                            </p:childTnLst>
+                          </p:cTn>
+                        </p:par>
+                      </p:childTnLst>
+                    </p:cTn>
+                  </p:par>
+                  <p:par>
+                    <p:cTn id="75" fill="hold">
+                      <p:stCondLst>
+                        <p:cond delay="indefinite"/>
+                      </p:stCondLst>
+                      <p:childTnLst>
+                        <p:par>
+                          <p:cTn id="76" fill="hold">
+                            <p:stCondLst>
+                              <p:cond delay="0"/>
+                            </p:stCondLst>
+                            <p:childTnLst>
+                              <p:par>
+                                <p:cTn id="77" presetID="1" presetClass="entr" presetSubtype="0" fill="hold" grpId="0" nodeType="clickEffect">
+                                  <p:stCondLst>
+                                    <p:cond delay="0"/>
+                                  </p:stCondLst>
+                                  <p:childTnLst>
+                                    <p:set>
+                                      <p:cBhvr>
+                                        <p:cTn id="78" dur="1" fill="hold">
+                                          <p:stCondLst>
+                                            <p:cond delay="0"/>
+                                          </p:stCondLst>
+                                        </p:cTn>
+                                        <p:tgtEl>
                                           <p:spTgt spid="52"/>
                                         </p:tgtEl>
                                         <p:attrNameLst>
@@ -8692,26 +8949,26 @@
                     </p:cTn>
                   </p:par>
                   <p:par>
-                    <p:cTn id="73" fill="hold">
+                    <p:cTn id="79" fill="hold">
                       <p:stCondLst>
                         <p:cond delay="indefinite"/>
                       </p:stCondLst>
                       <p:childTnLst>
                         <p:par>
-                          <p:cTn id="74" fill="hold">
+                          <p:cTn id="80" fill="hold">
                             <p:stCondLst>
                               <p:cond delay="0"/>
                             </p:stCondLst>
                             <p:childTnLst>
                               <p:par>
-                                <p:cTn id="75" presetID="1" presetClass="entr" presetSubtype="0" fill="hold" grpId="0" nodeType="clickEffect">
+                                <p:cTn id="81" presetID="1" presetClass="entr" presetSubtype="0" fill="hold" grpId="0" nodeType="clickEffect">
                                   <p:stCondLst>
                                     <p:cond delay="0"/>
                                   </p:stCondLst>
                                   <p:childTnLst>
                                     <p:set>
                                       <p:cBhvr>
-                                        <p:cTn id="76" dur="1" fill="hold">
+                                        <p:cTn id="82" dur="1" fill="hold">
                                           <p:stCondLst>
                                             <p:cond delay="0"/>
                                           </p:stCondLst>
@@ -8737,26 +8994,26 @@
                     </p:cTn>
                   </p:par>
                   <p:par>
-                    <p:cTn id="77" fill="hold">
+                    <p:cTn id="83" fill="hold">
                       <p:stCondLst>
                         <p:cond delay="indefinite"/>
                       </p:stCondLst>
                       <p:childTnLst>
                         <p:par>
-                          <p:cTn id="78" fill="hold">
+                          <p:cTn id="84" fill="hold">
                             <p:stCondLst>
                               <p:cond delay="0"/>
                             </p:stCondLst>
                             <p:childTnLst>
                               <p:par>
-                                <p:cTn id="79" presetID="1" presetClass="entr" presetSubtype="0" fill="hold" grpId="0" nodeType="clickEffect">
+                                <p:cTn id="85" presetID="1" presetClass="entr" presetSubtype="0" fill="hold" grpId="0" nodeType="clickEffect">
                                   <p:stCondLst>
                                     <p:cond delay="0"/>
                                   </p:stCondLst>
                                   <p:childTnLst>
                                     <p:set>
                                       <p:cBhvr>
-                                        <p:cTn id="80" dur="1" fill="hold">
+                                        <p:cTn id="86" dur="1" fill="hold">
                                           <p:stCondLst>
                                             <p:cond delay="0"/>
                                           </p:stCondLst>
@@ -8782,26 +9039,26 @@
                     </p:cTn>
                   </p:par>
                   <p:par>
-                    <p:cTn id="81" fill="hold">
+                    <p:cTn id="87" fill="hold">
                       <p:stCondLst>
                         <p:cond delay="indefinite"/>
                       </p:stCondLst>
                       <p:childTnLst>
                         <p:par>
-                          <p:cTn id="82" fill="hold">
+                          <p:cTn id="88" fill="hold">
                             <p:stCondLst>
                               <p:cond delay="0"/>
                             </p:stCondLst>
                             <p:childTnLst>
                               <p:par>
-                                <p:cTn id="83" presetID="1" presetClass="entr" presetSubtype="0" fill="hold" grpId="0" nodeType="clickEffect">
+                                <p:cTn id="89" presetID="1" presetClass="entr" presetSubtype="0" fill="hold" grpId="0" nodeType="clickEffect">
                                   <p:stCondLst>
                                     <p:cond delay="0"/>
                                   </p:stCondLst>
                                   <p:childTnLst>
                                     <p:set>
                                       <p:cBhvr>
-                                        <p:cTn id="84" dur="1" fill="hold">
+                                        <p:cTn id="90" dur="1" fill="hold">
                                           <p:stCondLst>
                                             <p:cond delay="0"/>
                                           </p:stCondLst>
@@ -8880,6 +9137,8 @@
       <p:bldP spid="54" grpId="0" animBg="1"/>
       <p:bldP spid="55" grpId="0" animBg="1"/>
       <p:bldP spid="56" grpId="0" animBg="1"/>
+      <p:bldP spid="41" grpId="0" animBg="1"/>
+      <p:bldP spid="43" grpId="0" animBg="1"/>
     </p:bldLst>
   </p:timing>
 </p:sld>
